--- a/assets/PowerPoint/Movie Trailer MatchUp.pptx
+++ b/assets/PowerPoint/Movie Trailer MatchUp.pptx
@@ -270,7 +270,7 @@
           <a:p>
             <a:fld id="{B5898F52-2787-4BA2-BBBC-9395E9F86D50}" type="datetimeFigureOut">
               <a:rPr lang="en-US" smtClean="0"/>
-              <a:t>11/19/2020</a:t>
+              <a:t>11/20/2020</a:t>
             </a:fld>
             <a:endParaRPr lang="en-US"/>
           </a:p>
@@ -468,7 +468,7 @@
           <a:p>
             <a:fld id="{B5898F52-2787-4BA2-BBBC-9395E9F86D50}" type="datetimeFigureOut">
               <a:rPr lang="en-US" smtClean="0"/>
-              <a:t>11/19/2020</a:t>
+              <a:t>11/20/2020</a:t>
             </a:fld>
             <a:endParaRPr lang="en-US"/>
           </a:p>
@@ -676,7 +676,7 @@
           <a:p>
             <a:fld id="{B5898F52-2787-4BA2-BBBC-9395E9F86D50}" type="datetimeFigureOut">
               <a:rPr lang="en-US" smtClean="0"/>
-              <a:t>11/19/2020</a:t>
+              <a:t>11/20/2020</a:t>
             </a:fld>
             <a:endParaRPr lang="en-US"/>
           </a:p>
@@ -874,7 +874,7 @@
           <a:p>
             <a:fld id="{B5898F52-2787-4BA2-BBBC-9395E9F86D50}" type="datetimeFigureOut">
               <a:rPr lang="en-US" smtClean="0"/>
-              <a:t>11/19/2020</a:t>
+              <a:t>11/20/2020</a:t>
             </a:fld>
             <a:endParaRPr lang="en-US"/>
           </a:p>
@@ -1151,7 +1151,7 @@
           <a:p>
             <a:fld id="{B5898F52-2787-4BA2-BBBC-9395E9F86D50}" type="datetimeFigureOut">
               <a:rPr lang="en-US" smtClean="0"/>
-              <a:t>11/19/2020</a:t>
+              <a:t>11/20/2020</a:t>
             </a:fld>
             <a:endParaRPr lang="en-US"/>
           </a:p>
@@ -1416,7 +1416,7 @@
           <a:p>
             <a:fld id="{B5898F52-2787-4BA2-BBBC-9395E9F86D50}" type="datetimeFigureOut">
               <a:rPr lang="en-US" smtClean="0"/>
-              <a:t>11/19/2020</a:t>
+              <a:t>11/20/2020</a:t>
             </a:fld>
             <a:endParaRPr lang="en-US"/>
           </a:p>
@@ -1846,7 +1846,7 @@
           <a:p>
             <a:fld id="{B5898F52-2787-4BA2-BBBC-9395E9F86D50}" type="datetimeFigureOut">
               <a:rPr lang="en-US" smtClean="0"/>
-              <a:t>11/19/2020</a:t>
+              <a:t>11/20/2020</a:t>
             </a:fld>
             <a:endParaRPr lang="en-US"/>
           </a:p>
@@ -1987,7 +1987,7 @@
           <a:p>
             <a:fld id="{B5898F52-2787-4BA2-BBBC-9395E9F86D50}" type="datetimeFigureOut">
               <a:rPr lang="en-US" smtClean="0"/>
-              <a:t>11/19/2020</a:t>
+              <a:t>11/20/2020</a:t>
             </a:fld>
             <a:endParaRPr lang="en-US"/>
           </a:p>
@@ -2100,7 +2100,7 @@
           <a:p>
             <a:fld id="{B5898F52-2787-4BA2-BBBC-9395E9F86D50}" type="datetimeFigureOut">
               <a:rPr lang="en-US" smtClean="0"/>
-              <a:t>11/19/2020</a:t>
+              <a:t>11/20/2020</a:t>
             </a:fld>
             <a:endParaRPr lang="en-US"/>
           </a:p>
@@ -2411,7 +2411,7 @@
           <a:p>
             <a:fld id="{B5898F52-2787-4BA2-BBBC-9395E9F86D50}" type="datetimeFigureOut">
               <a:rPr lang="en-US" smtClean="0"/>
-              <a:t>11/19/2020</a:t>
+              <a:t>11/20/2020</a:t>
             </a:fld>
             <a:endParaRPr lang="en-US"/>
           </a:p>
@@ -2699,7 +2699,7 @@
           <a:p>
             <a:fld id="{B5898F52-2787-4BA2-BBBC-9395E9F86D50}" type="datetimeFigureOut">
               <a:rPr lang="en-US" smtClean="0"/>
-              <a:t>11/19/2020</a:t>
+              <a:t>11/20/2020</a:t>
             </a:fld>
             <a:endParaRPr lang="en-US"/>
           </a:p>
@@ -7649,7 +7649,7 @@
             <a:fld id="{B5898F52-2787-4BA2-BBBC-9395E9F86D50}" type="datetimeFigureOut">
               <a:rPr lang="en-US" smtClean="0"/>
               <a:pPr/>
-              <a:t>11/19/2020</a:t>
+              <a:t>11/20/2020</a:t>
             </a:fld>
             <a:endParaRPr lang="en-US" dirty="0"/>
           </a:p>
@@ -41402,7 +41402,25 @@
                 </a:solidFill>
                 <a:latin typeface="Constantia" panose="02030602050306030303" pitchFamily="18" charset="0"/>
               </a:rPr>
-              <a:t>le bit easier. Their application creates a hub of sorts where a user is able to access a variety of movies associated with their search query and have instant access to the most relevant movie trailer associated with each. It’s a great way to discover new content related to your favorite movie franchises, and a fun way spend the afternoon when you’re stuck indoors!</a:t>
+              <a:t>le bit easier. Their application creates a hub of sorts where a user is able to access a variety of movies associated with their search query and have instant access to the most relevant movie trailer associated with </a:t>
+            </a:r>
+            <a:r>
+              <a:rPr lang="en-US">
+                <a:solidFill>
+                  <a:srgbClr val="4D5156"/>
+                </a:solidFill>
+                <a:latin typeface="Constantia" panose="02030602050306030303" pitchFamily="18" charset="0"/>
+              </a:rPr>
+              <a:t>each result. </a:t>
+            </a:r>
+            <a:r>
+              <a:rPr lang="en-US" dirty="0">
+                <a:solidFill>
+                  <a:srgbClr val="4D5156"/>
+                </a:solidFill>
+                <a:latin typeface="Constantia" panose="02030602050306030303" pitchFamily="18" charset="0"/>
+              </a:rPr>
+              <a:t>It’s a great way to discover new content related to your favorite movie franchises, and a fun way to spend the afternoon when you’re stuck indoors!</a:t>
             </a:r>
             <a:endParaRPr lang="en-US" dirty="0">
               <a:latin typeface="Constantia" panose="02030602050306030303" pitchFamily="18" charset="0"/>

--- a/assets/PowerPoint/Movie Trailer MatchUp.pptx
+++ b/assets/PowerPoint/Movie Trailer MatchUp.pptx
@@ -29787,7 +29787,7 @@
               <a:rPr lang="en-US" dirty="0">
                 <a:latin typeface="Constantia"/>
               </a:rPr>
-              <a:t>Since the pandemic began media consumption is at an all-time high. Films like </a:t>
+              <a:t>Since the pandemic began, media consumption is at an all-time high. Films like </a:t>
             </a:r>
             <a:r>
               <a:rPr lang="en-US" i="1" dirty="0">
@@ -29811,7 +29811,7 @@
               <a:rPr lang="en-US" dirty="0">
                 <a:latin typeface="Constantia"/>
               </a:rPr>
-              <a:t>are going straight to streaming where they are devoured immediately. Quenching the media-thirst of an increasingly pliable and neurotic clientele is inspiring both the creators and distributors of media to innovate in order to capitalize on an ever-increasing demand.</a:t>
+              <a:t>are going straight to streaming, where they are devoured immediately. Quenching the media-thirst of an increasingly pliable and neurotic clientele is inspiring both the creators and distributors of media to innovate in order to capitalize on an ever-increasing demand.</a:t>
             </a:r>
             <a:endParaRPr lang="en-US" i="1" dirty="0">
               <a:latin typeface="Avenir Next LT Pro"/>
@@ -41402,25 +41402,7 @@
                 </a:solidFill>
                 <a:latin typeface="Constantia" panose="02030602050306030303" pitchFamily="18" charset="0"/>
               </a:rPr>
-              <a:t>le bit easier. Their application creates a hub of sorts where a user is able to access a variety of movies associated with their search query and have instant access to the most relevant movie trailer associated with </a:t>
-            </a:r>
-            <a:r>
-              <a:rPr lang="en-US">
-                <a:solidFill>
-                  <a:srgbClr val="4D5156"/>
-                </a:solidFill>
-                <a:latin typeface="Constantia" panose="02030602050306030303" pitchFamily="18" charset="0"/>
-              </a:rPr>
-              <a:t>each result. </a:t>
-            </a:r>
-            <a:r>
-              <a:rPr lang="en-US" dirty="0">
-                <a:solidFill>
-                  <a:srgbClr val="4D5156"/>
-                </a:solidFill>
-                <a:latin typeface="Constantia" panose="02030602050306030303" pitchFamily="18" charset="0"/>
-              </a:rPr>
-              <a:t>It’s a great way to discover new content related to your favorite movie franchises, and a fun way to spend the afternoon when you’re stuck indoors!</a:t>
+              <a:t>le bit easier. Their application creates a hub of sorts where a user is able to access a variety of movies associated with their search query and have instant access to the most relevant movie trailer associated with each result. It’s a great way to discover new content related to your favorite movie franchises, and a fun way to spend the afternoon when you’re stuck indoors!</a:t>
             </a:r>
             <a:endParaRPr lang="en-US" dirty="0">
               <a:latin typeface="Constantia" panose="02030602050306030303" pitchFamily="18" charset="0"/>
@@ -44129,396 +44111,6 @@
           <a:chExt cx="0" cy="0"/>
         </a:xfrm>
       </p:grpSpPr>
-      <p:sp>
-        <p:nvSpPr>
-          <p:cNvPr id="4" name="Text Placeholder 3">
-            <a:extLst>
-              <a:ext uri="{FF2B5EF4-FFF2-40B4-BE49-F238E27FC236}">
-                <a16:creationId xmlns:a16="http://schemas.microsoft.com/office/drawing/2014/main" id="{1123F7BC-49E2-4AD9-8AE9-F1990154AB08}"/>
-              </a:ext>
-            </a:extLst>
-          </p:cNvPr>
-          <p:cNvSpPr>
-            <a:spLocks noGrp="1"/>
-          </p:cNvSpPr>
-          <p:nvPr>
-            <p:ph type="body" sz="half" idx="2"/>
-          </p:nvPr>
-        </p:nvSpPr>
-        <p:spPr>
-          <a:xfrm>
-            <a:off x="406400" y="462944"/>
-            <a:ext cx="5689600" cy="5932112"/>
-          </a:xfrm>
-        </p:spPr>
-        <p:txBody>
-          <a:bodyPr vert="horz" lIns="91440" tIns="45720" rIns="91440" bIns="45720" rtlCol="0">
-            <a:normAutofit fontScale="77500" lnSpcReduction="20000"/>
-          </a:bodyPr>
-          <a:lstStyle/>
-          <a:p>
-            <a:pPr marL="285750" indent="-285750">
-              <a:lnSpc>
-                <a:spcPct val="140000"/>
-              </a:lnSpc>
-              <a:buFont typeface="Wingdings" panose="05000000000000000000" pitchFamily="2" charset="2"/>
-              <a:buChar char="v"/>
-            </a:pPr>
-            <a:r>
-              <a:rPr lang="en-US" sz="1400" b="1" dirty="0">
-                <a:latin typeface="Constantia" panose="02030602050306030303" pitchFamily="18" charset="0"/>
-              </a:rPr>
-              <a:t>APIs Used </a:t>
-            </a:r>
-          </a:p>
-          <a:p>
-            <a:pPr marL="742950" lvl="1" indent="-285750">
-              <a:lnSpc>
-                <a:spcPct val="140000"/>
-              </a:lnSpc>
-              <a:buFont typeface="Courier New" panose="02070309020205020404" pitchFamily="49" charset="0"/>
-              <a:buChar char="o"/>
-            </a:pPr>
-            <a:r>
-              <a:rPr lang="en-US" dirty="0">
-                <a:latin typeface="Constantia" panose="02030602050306030303" pitchFamily="18" charset="0"/>
-              </a:rPr>
-              <a:t>OMDB</a:t>
-            </a:r>
-          </a:p>
-          <a:p>
-            <a:pPr marL="742950" lvl="1" indent="-285750">
-              <a:lnSpc>
-                <a:spcPct val="140000"/>
-              </a:lnSpc>
-              <a:buFont typeface="Courier New" panose="02070309020205020404" pitchFamily="49" charset="0"/>
-              <a:buChar char="o"/>
-            </a:pPr>
-            <a:r>
-              <a:rPr lang="en-US" dirty="0" err="1">
-                <a:latin typeface="Constantia" panose="02030602050306030303" pitchFamily="18" charset="0"/>
-              </a:rPr>
-              <a:t>Youtube</a:t>
-            </a:r>
-            <a:r>
-              <a:rPr lang="en-US" dirty="0">
-                <a:latin typeface="Constantia" panose="02030602050306030303" pitchFamily="18" charset="0"/>
-              </a:rPr>
-              <a:t> </a:t>
-            </a:r>
-          </a:p>
-          <a:p>
-            <a:pPr marL="285750" indent="-285750">
-              <a:lnSpc>
-                <a:spcPct val="140000"/>
-              </a:lnSpc>
-              <a:buFont typeface="Wingdings" panose="05000000000000000000" pitchFamily="2" charset="2"/>
-              <a:buChar char="v"/>
-            </a:pPr>
-            <a:r>
-              <a:rPr lang="en-US" sz="1400" b="1" dirty="0">
-                <a:latin typeface="Constantia" panose="02030602050306030303" pitchFamily="18" charset="0"/>
-              </a:rPr>
-              <a:t>Developers</a:t>
-            </a:r>
-          </a:p>
-          <a:p>
-            <a:pPr marL="742950" lvl="1" indent="-285750">
-              <a:lnSpc>
-                <a:spcPct val="140000"/>
-              </a:lnSpc>
-              <a:buFont typeface="Courier New" panose="02070309020205020404" pitchFamily="49" charset="0"/>
-              <a:buChar char="o"/>
-            </a:pPr>
-            <a:r>
-              <a:rPr lang="en-US" dirty="0">
-                <a:latin typeface="Constantia" panose="02030602050306030303" pitchFamily="18" charset="0"/>
-              </a:rPr>
-              <a:t>Team Leader</a:t>
-            </a:r>
-          </a:p>
-          <a:p>
-            <a:pPr marL="1200150" lvl="2" indent="-285750">
-              <a:lnSpc>
-                <a:spcPct val="140000"/>
-              </a:lnSpc>
-              <a:buFont typeface="Arial" panose="020B0604020202020204" pitchFamily="34" charset="0"/>
-              <a:buChar char="•"/>
-            </a:pPr>
-            <a:r>
-              <a:rPr lang="en-US" sz="1400" b="0" dirty="0">
-                <a:latin typeface="Constantia" panose="02030602050306030303" pitchFamily="18" charset="0"/>
-              </a:rPr>
-              <a:t>Daniel Soledad</a:t>
-            </a:r>
-          </a:p>
-          <a:p>
-            <a:pPr marL="742950" lvl="1" indent="-285750">
-              <a:lnSpc>
-                <a:spcPct val="140000"/>
-              </a:lnSpc>
-              <a:buFont typeface="Courier New" panose="02070309020205020404" pitchFamily="49" charset="0"/>
-              <a:buChar char="o"/>
-            </a:pPr>
-            <a:r>
-              <a:rPr lang="en-US" dirty="0">
-                <a:latin typeface="Constantia" panose="02030602050306030303" pitchFamily="18" charset="0"/>
-              </a:rPr>
-              <a:t>Frontend</a:t>
-            </a:r>
-          </a:p>
-          <a:p>
-            <a:pPr marL="1200150" lvl="2" indent="-285750">
-              <a:lnSpc>
-                <a:spcPct val="140000"/>
-              </a:lnSpc>
-              <a:buFont typeface="Arial" panose="020B0604020202020204" pitchFamily="34" charset="0"/>
-              <a:buChar char="•"/>
-            </a:pPr>
-            <a:r>
-              <a:rPr lang="en-US" sz="1400" b="0" dirty="0">
-                <a:latin typeface="Constantia" panose="02030602050306030303" pitchFamily="18" charset="0"/>
-              </a:rPr>
-              <a:t>Rachel </a:t>
-            </a:r>
-            <a:r>
-              <a:rPr lang="en-US" sz="1400" b="0" dirty="0" err="1">
-                <a:latin typeface="Constantia" panose="02030602050306030303" pitchFamily="18" charset="0"/>
-              </a:rPr>
-              <a:t>Vallejos</a:t>
-            </a:r>
-            <a:r>
-              <a:rPr lang="en-US" sz="1400" b="0" dirty="0">
-                <a:latin typeface="Constantia" panose="02030602050306030303" pitchFamily="18" charset="0"/>
-              </a:rPr>
-              <a:t> </a:t>
-            </a:r>
-          </a:p>
-          <a:p>
-            <a:pPr marL="1200150" lvl="2" indent="-285750">
-              <a:lnSpc>
-                <a:spcPct val="140000"/>
-              </a:lnSpc>
-              <a:buFont typeface="Arial" panose="020B0604020202020204" pitchFamily="34" charset="0"/>
-              <a:buChar char="•"/>
-            </a:pPr>
-            <a:r>
-              <a:rPr lang="en-US" sz="1400" b="0" dirty="0" err="1">
-                <a:latin typeface="Constantia" panose="02030602050306030303" pitchFamily="18" charset="0"/>
-              </a:rPr>
-              <a:t>Akarin</a:t>
-            </a:r>
-            <a:r>
-              <a:rPr lang="en-US" sz="1400" b="0" dirty="0">
-                <a:latin typeface="Constantia" panose="02030602050306030303" pitchFamily="18" charset="0"/>
-              </a:rPr>
-              <a:t> </a:t>
-            </a:r>
-            <a:r>
-              <a:rPr lang="en-US" sz="1400" b="0" dirty="0" err="1">
-                <a:latin typeface="Constantia" panose="02030602050306030303" pitchFamily="18" charset="0"/>
-              </a:rPr>
-              <a:t>Jantachotivongs</a:t>
-            </a:r>
-            <a:endParaRPr lang="en-US" sz="1400" b="0" dirty="0">
-              <a:latin typeface="Constantia" panose="02030602050306030303" pitchFamily="18" charset="0"/>
-            </a:endParaRPr>
-          </a:p>
-          <a:p>
-            <a:pPr marL="742950" lvl="1" indent="-285750">
-              <a:lnSpc>
-                <a:spcPct val="140000"/>
-              </a:lnSpc>
-              <a:buFont typeface="Courier New" panose="02070309020205020404" pitchFamily="49" charset="0"/>
-              <a:buChar char="o"/>
-            </a:pPr>
-            <a:r>
-              <a:rPr lang="en-US" dirty="0">
-                <a:latin typeface="Constantia" panose="02030602050306030303" pitchFamily="18" charset="0"/>
-              </a:rPr>
-              <a:t>Backend</a:t>
-            </a:r>
-          </a:p>
-          <a:p>
-            <a:pPr marL="1200150" lvl="2" indent="-285750">
-              <a:lnSpc>
-                <a:spcPct val="140000"/>
-              </a:lnSpc>
-              <a:buFont typeface="Arial" panose="020B0604020202020204" pitchFamily="34" charset="0"/>
-              <a:buChar char="•"/>
-            </a:pPr>
-            <a:r>
-              <a:rPr lang="en-US" sz="1400" b="0" dirty="0">
-                <a:latin typeface="Constantia" panose="02030602050306030303" pitchFamily="18" charset="0"/>
-              </a:rPr>
-              <a:t>Michael Frisch</a:t>
-            </a:r>
-          </a:p>
-          <a:p>
-            <a:pPr marL="1200150" lvl="2" indent="-285750">
-              <a:lnSpc>
-                <a:spcPct val="140000"/>
-              </a:lnSpc>
-              <a:buFont typeface="Arial" panose="020B0604020202020204" pitchFamily="34" charset="0"/>
-              <a:buChar char="•"/>
-            </a:pPr>
-            <a:r>
-              <a:rPr lang="en-US" sz="1400" b="0" dirty="0">
-                <a:latin typeface="Constantia" panose="02030602050306030303" pitchFamily="18" charset="0"/>
-              </a:rPr>
-              <a:t> Keenan Reed</a:t>
-            </a:r>
-          </a:p>
-          <a:p>
-            <a:pPr marL="285750" indent="-285750">
-              <a:lnSpc>
-                <a:spcPct val="140000"/>
-              </a:lnSpc>
-              <a:buFont typeface="Wingdings" panose="05000000000000000000" pitchFamily="2" charset="2"/>
-              <a:buChar char="v"/>
-            </a:pPr>
-            <a:r>
-              <a:rPr lang="en-US" sz="1400" b="1" dirty="0">
-                <a:latin typeface="Constantia" panose="02030602050306030303" pitchFamily="18" charset="0"/>
-              </a:rPr>
-              <a:t>Challenges</a:t>
-            </a:r>
-          </a:p>
-          <a:p>
-            <a:pPr marL="742950" lvl="1" indent="-285750">
-              <a:lnSpc>
-                <a:spcPct val="140000"/>
-              </a:lnSpc>
-              <a:buFont typeface="Courier New" panose="02070309020205020404" pitchFamily="49" charset="0"/>
-              <a:buChar char="o"/>
-            </a:pPr>
-            <a:r>
-              <a:rPr lang="en-US" dirty="0">
-                <a:latin typeface="Constantia" panose="02030602050306030303" pitchFamily="18" charset="0"/>
-              </a:rPr>
-              <a:t>Far too many hours were spent resolving GitHub conflicts.</a:t>
-            </a:r>
-          </a:p>
-          <a:p>
-            <a:pPr marL="742950" lvl="1" indent="-285750">
-              <a:lnSpc>
-                <a:spcPct val="140000"/>
-              </a:lnSpc>
-              <a:buFont typeface="Courier New" panose="02070309020205020404" pitchFamily="49" charset="0"/>
-              <a:buChar char="o"/>
-            </a:pPr>
-            <a:r>
-              <a:rPr lang="en-US" dirty="0">
-                <a:latin typeface="Constantia" panose="02030602050306030303" pitchFamily="18" charset="0"/>
-              </a:rPr>
-              <a:t>Learning to communicate clearly, especially while you’re having trouble grasping a difficult concept or technique, was tough at times.</a:t>
-            </a:r>
-          </a:p>
-          <a:p>
-            <a:pPr marL="285750" indent="-285750">
-              <a:lnSpc>
-                <a:spcPct val="140000"/>
-              </a:lnSpc>
-              <a:buFont typeface="Wingdings" panose="05000000000000000000" pitchFamily="2" charset="2"/>
-              <a:buChar char="v"/>
-            </a:pPr>
-            <a:r>
-              <a:rPr lang="en-US" sz="1400" b="1" dirty="0">
-                <a:latin typeface="Constantia" panose="02030602050306030303" pitchFamily="18" charset="0"/>
-              </a:rPr>
-              <a:t>Success</a:t>
-            </a:r>
-          </a:p>
-          <a:p>
-            <a:pPr marL="742950" lvl="1" indent="-285750">
-              <a:lnSpc>
-                <a:spcPct val="140000"/>
-              </a:lnSpc>
-              <a:buFont typeface="Courier New" panose="02070309020205020404" pitchFamily="49" charset="0"/>
-              <a:buChar char="o"/>
-            </a:pPr>
-            <a:r>
-              <a:rPr lang="en-US" dirty="0">
-                <a:latin typeface="Constantia" panose="02030602050306030303" pitchFamily="18" charset="0"/>
-              </a:rPr>
-              <a:t>Team chemistry and the open sharing of ideas were crucial to the completion of the application.</a:t>
-            </a:r>
-          </a:p>
-          <a:p>
-            <a:pPr marL="742950" lvl="1" indent="-285750">
-              <a:lnSpc>
-                <a:spcPct val="140000"/>
-              </a:lnSpc>
-              <a:buFont typeface="Courier New" panose="02070309020205020404" pitchFamily="49" charset="0"/>
-              <a:buChar char="o"/>
-            </a:pPr>
-            <a:r>
-              <a:rPr lang="en-US" dirty="0">
-                <a:latin typeface="Constantia" panose="02030602050306030303" pitchFamily="18" charset="0"/>
-              </a:rPr>
-              <a:t>Daniel, having the strongest overall grasp of the necessary coding languages, was thrust into the roles of both tutor and lead developer. He performed well and grew noticeably as an educator over the course of the project.</a:t>
-            </a:r>
-          </a:p>
-          <a:p>
-            <a:pPr marL="742950" lvl="1" indent="-285750">
-              <a:lnSpc>
-                <a:spcPct val="140000"/>
-              </a:lnSpc>
-              <a:buFont typeface="Arial" panose="020B0604020202020204" pitchFamily="34" charset="0"/>
-              <a:buChar char="•"/>
-            </a:pPr>
-            <a:endParaRPr lang="en-US" sz="1000" dirty="0"/>
-          </a:p>
-          <a:p>
-            <a:pPr marL="742950" lvl="1" indent="-285750">
-              <a:lnSpc>
-                <a:spcPct val="140000"/>
-              </a:lnSpc>
-              <a:buFont typeface="Arial" panose="020B0604020202020204" pitchFamily="34" charset="0"/>
-              <a:buChar char="•"/>
-            </a:pPr>
-            <a:endParaRPr lang="en-US" sz="1000" dirty="0"/>
-          </a:p>
-          <a:p>
-            <a:pPr marL="742950" lvl="1" indent="-285750">
-              <a:lnSpc>
-                <a:spcPct val="140000"/>
-              </a:lnSpc>
-              <a:buFont typeface="Arial" panose="020B0604020202020204" pitchFamily="34" charset="0"/>
-              <a:buChar char="•"/>
-            </a:pPr>
-            <a:endParaRPr lang="en-US" sz="1000" dirty="0"/>
-          </a:p>
-          <a:p>
-            <a:pPr lvl="2">
-              <a:lnSpc>
-                <a:spcPct val="140000"/>
-              </a:lnSpc>
-            </a:pPr>
-            <a:endParaRPr lang="en-US" sz="1000" dirty="0"/>
-          </a:p>
-          <a:p>
-            <a:pPr marL="1200150" lvl="2" indent="-285750">
-              <a:lnSpc>
-                <a:spcPct val="140000"/>
-              </a:lnSpc>
-              <a:buFont typeface="Arial" panose="020B0604020202020204" pitchFamily="34" charset="0"/>
-              <a:buChar char="•"/>
-            </a:pPr>
-            <a:endParaRPr lang="en-US" sz="1000" dirty="0"/>
-          </a:p>
-          <a:p>
-            <a:pPr marL="1200150" lvl="2" indent="-285750">
-              <a:lnSpc>
-                <a:spcPct val="140000"/>
-              </a:lnSpc>
-              <a:buFont typeface="Arial" panose="020B0604020202020204" pitchFamily="34" charset="0"/>
-              <a:buChar char="•"/>
-            </a:pPr>
-            <a:endParaRPr lang="en-US" sz="1000" dirty="0"/>
-          </a:p>
-        </p:txBody>
-      </p:sp>
       <p:pic>
         <p:nvPicPr>
           <p:cNvPr id="2050" name="Picture 2" descr="person writing on white paper">
@@ -44604,6 +44196,788 @@
               </a:rPr>
               <a:t>The Process</a:t>
             </a:r>
+          </a:p>
+        </p:txBody>
+      </p:sp>
+      <p:sp>
+        <p:nvSpPr>
+          <p:cNvPr id="5" name="Text Placeholder 3">
+            <a:extLst>
+              <a:ext uri="{FF2B5EF4-FFF2-40B4-BE49-F238E27FC236}">
+                <a16:creationId xmlns:a16="http://schemas.microsoft.com/office/drawing/2014/main" id="{471EDC21-351C-4DBB-AACC-7228B0156D70}"/>
+              </a:ext>
+            </a:extLst>
+          </p:cNvPr>
+          <p:cNvSpPr txBox="1">
+            <a:spLocks/>
+          </p:cNvSpPr>
+          <p:nvPr/>
+        </p:nvSpPr>
+        <p:spPr>
+          <a:xfrm>
+            <a:off x="0" y="0"/>
+            <a:ext cx="6645834" cy="6858000"/>
+          </a:xfrm>
+          <a:prstGeom prst="rect">
+            <a:avLst/>
+          </a:prstGeom>
+          <a:solidFill>
+            <a:schemeClr val="tx1"/>
+          </a:solidFill>
+        </p:spPr>
+        <p:txBody>
+          <a:bodyPr vert="horz" lIns="0" tIns="0" rIns="457200" bIns="0" rtlCol="0">
+            <a:normAutofit fontScale="62500" lnSpcReduction="20000"/>
+          </a:bodyPr>
+          <a:lstStyle>
+            <a:lvl1pPr marL="0" indent="0" algn="l" defTabSz="914400" rtl="0" eaLnBrk="1" latinLnBrk="0" hangingPunct="1">
+              <a:lnSpc>
+                <a:spcPct val="150000"/>
+              </a:lnSpc>
+              <a:spcBef>
+                <a:spcPts val="1000"/>
+              </a:spcBef>
+              <a:buClr>
+                <a:schemeClr val="bg2">
+                  <a:lumMod val="75000"/>
+                </a:schemeClr>
+              </a:buClr>
+              <a:buFont typeface="Arial" panose="020B0604020202020204" pitchFamily="34" charset="0"/>
+              <a:buNone/>
+              <a:defRPr sz="1600" kern="1200">
+                <a:solidFill>
+                  <a:schemeClr val="tx2"/>
+                </a:solidFill>
+                <a:latin typeface="+mn-lt"/>
+                <a:ea typeface="+mn-ea"/>
+                <a:cs typeface="+mn-cs"/>
+              </a:defRPr>
+            </a:lvl1pPr>
+            <a:lvl2pPr marL="457200" indent="0" algn="l" defTabSz="914400" rtl="0" eaLnBrk="1" latinLnBrk="0" hangingPunct="1">
+              <a:lnSpc>
+                <a:spcPct val="150000"/>
+              </a:lnSpc>
+              <a:spcBef>
+                <a:spcPts val="500"/>
+              </a:spcBef>
+              <a:buClr>
+                <a:schemeClr val="bg2">
+                  <a:lumMod val="75000"/>
+                </a:schemeClr>
+              </a:buClr>
+              <a:buFontTx/>
+              <a:buNone/>
+              <a:defRPr sz="1400" kern="1200">
+                <a:solidFill>
+                  <a:schemeClr val="tx2"/>
+                </a:solidFill>
+                <a:latin typeface="+mn-lt"/>
+                <a:ea typeface="+mn-ea"/>
+                <a:cs typeface="+mn-cs"/>
+              </a:defRPr>
+            </a:lvl2pPr>
+            <a:lvl3pPr marL="914400" indent="0" algn="l" defTabSz="914400" rtl="0" eaLnBrk="1" latinLnBrk="0" hangingPunct="1">
+              <a:lnSpc>
+                <a:spcPct val="150000"/>
+              </a:lnSpc>
+              <a:spcBef>
+                <a:spcPts val="500"/>
+              </a:spcBef>
+              <a:buClr>
+                <a:schemeClr val="bg2">
+                  <a:lumMod val="75000"/>
+                </a:schemeClr>
+              </a:buClr>
+              <a:buFont typeface="Arial" panose="020B0604020202020204" pitchFamily="34" charset="0"/>
+              <a:buNone/>
+              <a:defRPr sz="1200" b="1" kern="1200">
+                <a:solidFill>
+                  <a:schemeClr val="tx2"/>
+                </a:solidFill>
+                <a:latin typeface="+mn-lt"/>
+                <a:ea typeface="+mn-ea"/>
+                <a:cs typeface="+mn-cs"/>
+              </a:defRPr>
+            </a:lvl3pPr>
+            <a:lvl4pPr marL="1371600" indent="0" algn="l" defTabSz="914400" rtl="0" eaLnBrk="1" latinLnBrk="0" hangingPunct="1">
+              <a:lnSpc>
+                <a:spcPct val="150000"/>
+              </a:lnSpc>
+              <a:spcBef>
+                <a:spcPts val="500"/>
+              </a:spcBef>
+              <a:buClr>
+                <a:schemeClr val="bg2">
+                  <a:lumMod val="75000"/>
+                </a:schemeClr>
+              </a:buClr>
+              <a:buFontTx/>
+              <a:buNone/>
+              <a:defRPr sz="1000" kern="1200">
+                <a:solidFill>
+                  <a:schemeClr val="tx2"/>
+                </a:solidFill>
+                <a:latin typeface="+mn-lt"/>
+                <a:ea typeface="+mn-ea"/>
+                <a:cs typeface="+mn-cs"/>
+              </a:defRPr>
+            </a:lvl4pPr>
+            <a:lvl5pPr marL="1828800" indent="0" algn="l" defTabSz="914400" rtl="0" eaLnBrk="1" latinLnBrk="0" hangingPunct="1">
+              <a:lnSpc>
+                <a:spcPct val="150000"/>
+              </a:lnSpc>
+              <a:spcBef>
+                <a:spcPts val="500"/>
+              </a:spcBef>
+              <a:buClr>
+                <a:schemeClr val="bg2">
+                  <a:lumMod val="75000"/>
+                </a:schemeClr>
+              </a:buClr>
+              <a:buFont typeface="Arial" panose="020B0604020202020204" pitchFamily="34" charset="0"/>
+              <a:buNone/>
+              <a:defRPr sz="1000" kern="1200">
+                <a:solidFill>
+                  <a:schemeClr val="tx2"/>
+                </a:solidFill>
+                <a:latin typeface="+mn-lt"/>
+                <a:ea typeface="+mn-ea"/>
+                <a:cs typeface="+mn-cs"/>
+              </a:defRPr>
+            </a:lvl5pPr>
+            <a:lvl6pPr marL="2286000" indent="0" algn="l" defTabSz="914400" rtl="0" eaLnBrk="1" latinLnBrk="0" hangingPunct="1">
+              <a:lnSpc>
+                <a:spcPct val="90000"/>
+              </a:lnSpc>
+              <a:spcBef>
+                <a:spcPts val="500"/>
+              </a:spcBef>
+              <a:buFont typeface="Arial" panose="020B0604020202020204" pitchFamily="34" charset="0"/>
+              <a:buNone/>
+              <a:defRPr sz="1000" kern="1200">
+                <a:solidFill>
+                  <a:schemeClr val="tx1"/>
+                </a:solidFill>
+                <a:latin typeface="+mn-lt"/>
+                <a:ea typeface="+mn-ea"/>
+                <a:cs typeface="+mn-cs"/>
+              </a:defRPr>
+            </a:lvl6pPr>
+            <a:lvl7pPr marL="2743200" indent="0" algn="l" defTabSz="914400" rtl="0" eaLnBrk="1" latinLnBrk="0" hangingPunct="1">
+              <a:lnSpc>
+                <a:spcPct val="90000"/>
+              </a:lnSpc>
+              <a:spcBef>
+                <a:spcPts val="500"/>
+              </a:spcBef>
+              <a:buFont typeface="Arial" panose="020B0604020202020204" pitchFamily="34" charset="0"/>
+              <a:buNone/>
+              <a:defRPr sz="1000" kern="1200">
+                <a:solidFill>
+                  <a:schemeClr val="tx1"/>
+                </a:solidFill>
+                <a:latin typeface="+mn-lt"/>
+                <a:ea typeface="+mn-ea"/>
+                <a:cs typeface="+mn-cs"/>
+              </a:defRPr>
+            </a:lvl7pPr>
+            <a:lvl8pPr marL="3200400" indent="0" algn="l" defTabSz="914400" rtl="0" eaLnBrk="1" latinLnBrk="0" hangingPunct="1">
+              <a:lnSpc>
+                <a:spcPct val="90000"/>
+              </a:lnSpc>
+              <a:spcBef>
+                <a:spcPts val="500"/>
+              </a:spcBef>
+              <a:buFont typeface="Arial" panose="020B0604020202020204" pitchFamily="34" charset="0"/>
+              <a:buNone/>
+              <a:defRPr sz="1000" kern="1200">
+                <a:solidFill>
+                  <a:schemeClr val="tx1"/>
+                </a:solidFill>
+                <a:latin typeface="+mn-lt"/>
+                <a:ea typeface="+mn-ea"/>
+                <a:cs typeface="+mn-cs"/>
+              </a:defRPr>
+            </a:lvl8pPr>
+            <a:lvl9pPr marL="3657600" indent="0" algn="l" defTabSz="914400" rtl="0" eaLnBrk="1" latinLnBrk="0" hangingPunct="1">
+              <a:lnSpc>
+                <a:spcPct val="90000"/>
+              </a:lnSpc>
+              <a:spcBef>
+                <a:spcPts val="500"/>
+              </a:spcBef>
+              <a:buFont typeface="Arial" panose="020B0604020202020204" pitchFamily="34" charset="0"/>
+              <a:buNone/>
+              <a:defRPr sz="1000" kern="1200">
+                <a:solidFill>
+                  <a:schemeClr val="tx1"/>
+                </a:solidFill>
+                <a:latin typeface="+mn-lt"/>
+                <a:ea typeface="+mn-ea"/>
+                <a:cs typeface="+mn-cs"/>
+              </a:defRPr>
+            </a:lvl9pPr>
+          </a:lstStyle>
+          <a:p>
+            <a:pPr lvl="1" algn="ctr">
+              <a:lnSpc>
+                <a:spcPct val="140000"/>
+              </a:lnSpc>
+            </a:pPr>
+            <a:endParaRPr lang="en-US" dirty="0">
+              <a:solidFill>
+                <a:schemeClr val="bg1"/>
+              </a:solidFill>
+              <a:latin typeface="Adobe Gothic Std B" panose="020B0800000000000000" pitchFamily="34" charset="-128"/>
+              <a:ea typeface="Adobe Gothic Std B" panose="020B0800000000000000" pitchFamily="34" charset="-128"/>
+            </a:endParaRPr>
+          </a:p>
+          <a:p>
+            <a:pPr lvl="1" algn="ctr">
+              <a:lnSpc>
+                <a:spcPct val="140000"/>
+              </a:lnSpc>
+            </a:pPr>
+            <a:endParaRPr lang="en-US" dirty="0">
+              <a:solidFill>
+                <a:schemeClr val="bg1"/>
+              </a:solidFill>
+              <a:latin typeface="Adobe Gothic Std B" panose="020B0800000000000000" pitchFamily="34" charset="-128"/>
+              <a:ea typeface="Adobe Gothic Std B" panose="020B0800000000000000" pitchFamily="34" charset="-128"/>
+            </a:endParaRPr>
+          </a:p>
+          <a:p>
+            <a:pPr lvl="1" algn="ctr">
+              <a:lnSpc>
+                <a:spcPct val="140000"/>
+              </a:lnSpc>
+            </a:pPr>
+            <a:endParaRPr lang="en-US" dirty="0">
+              <a:solidFill>
+                <a:schemeClr val="bg1"/>
+              </a:solidFill>
+              <a:latin typeface="Adobe Gothic Std B" panose="020B0800000000000000" pitchFamily="34" charset="-128"/>
+              <a:ea typeface="Adobe Gothic Std B" panose="020B0800000000000000" pitchFamily="34" charset="-128"/>
+            </a:endParaRPr>
+          </a:p>
+          <a:p>
+            <a:pPr lvl="1" algn="ctr">
+              <a:lnSpc>
+                <a:spcPct val="140000"/>
+              </a:lnSpc>
+            </a:pPr>
+            <a:endParaRPr lang="en-US" dirty="0">
+              <a:solidFill>
+                <a:schemeClr val="bg1"/>
+              </a:solidFill>
+              <a:latin typeface="Adobe Gothic Std B" panose="020B0800000000000000" pitchFamily="34" charset="-128"/>
+              <a:ea typeface="Adobe Gothic Std B" panose="020B0800000000000000" pitchFamily="34" charset="-128"/>
+            </a:endParaRPr>
+          </a:p>
+          <a:p>
+            <a:pPr lvl="1" algn="ctr">
+              <a:lnSpc>
+                <a:spcPct val="140000"/>
+              </a:lnSpc>
+            </a:pPr>
+            <a:r>
+              <a:rPr lang="en-US" sz="2600" b="1" dirty="0">
+                <a:solidFill>
+                  <a:schemeClr val="bg1"/>
+                </a:solidFill>
+                <a:latin typeface="Adobe Gothic Std B" panose="020B0800000000000000" pitchFamily="34" charset="-128"/>
+                <a:ea typeface="Adobe Gothic Std B" panose="020B0800000000000000" pitchFamily="34" charset="-128"/>
+              </a:rPr>
+              <a:t>APIs</a:t>
+            </a:r>
+            <a:r>
+              <a:rPr lang="en-US" sz="1900" b="1" u="sng" dirty="0">
+                <a:solidFill>
+                  <a:schemeClr val="bg1"/>
+                </a:solidFill>
+                <a:latin typeface="Adobe Gothic Std B" panose="020B0800000000000000" pitchFamily="34" charset="-128"/>
+                <a:ea typeface="Adobe Gothic Std B" panose="020B0800000000000000" pitchFamily="34" charset="-128"/>
+              </a:rPr>
+              <a:t> </a:t>
+            </a:r>
+          </a:p>
+          <a:p>
+            <a:pPr lvl="1" algn="ctr">
+              <a:lnSpc>
+                <a:spcPct val="140000"/>
+              </a:lnSpc>
+            </a:pPr>
+            <a:r>
+              <a:rPr lang="en-US" sz="1900" dirty="0">
+                <a:solidFill>
+                  <a:schemeClr val="bg1"/>
+                </a:solidFill>
+                <a:latin typeface="Adobe Gothic Std B" panose="020B0800000000000000" pitchFamily="34" charset="-128"/>
+                <a:ea typeface="Adobe Gothic Std B" panose="020B0800000000000000" pitchFamily="34" charset="-128"/>
+              </a:rPr>
+              <a:t>OMDB / YouTube</a:t>
+            </a:r>
+          </a:p>
+          <a:p>
+            <a:pPr lvl="1" algn="ctr">
+              <a:lnSpc>
+                <a:spcPct val="140000"/>
+              </a:lnSpc>
+            </a:pPr>
+            <a:endParaRPr lang="en-US" sz="100" dirty="0">
+              <a:solidFill>
+                <a:schemeClr val="bg1"/>
+              </a:solidFill>
+              <a:latin typeface="Adobe Gothic Std B" panose="020B0800000000000000" pitchFamily="34" charset="-128"/>
+              <a:ea typeface="Adobe Gothic Std B" panose="020B0800000000000000" pitchFamily="34" charset="-128"/>
+            </a:endParaRPr>
+          </a:p>
+          <a:p>
+            <a:pPr lvl="1" algn="ctr">
+              <a:lnSpc>
+                <a:spcPct val="140000"/>
+              </a:lnSpc>
+            </a:pPr>
+            <a:r>
+              <a:rPr lang="en-US" sz="2600" b="1" dirty="0">
+                <a:solidFill>
+                  <a:schemeClr val="bg1"/>
+                </a:solidFill>
+                <a:latin typeface="Adobe Gothic Std B" panose="020B0800000000000000" pitchFamily="34" charset="-128"/>
+                <a:ea typeface="Adobe Gothic Std B" panose="020B0800000000000000" pitchFamily="34" charset="-128"/>
+              </a:rPr>
+              <a:t>Team Leader</a:t>
+            </a:r>
+          </a:p>
+          <a:p>
+            <a:pPr lvl="1" algn="ctr">
+              <a:lnSpc>
+                <a:spcPct val="140000"/>
+              </a:lnSpc>
+            </a:pPr>
+            <a:r>
+              <a:rPr lang="en-US" sz="1900" b="0" dirty="0">
+                <a:solidFill>
+                  <a:schemeClr val="bg1"/>
+                </a:solidFill>
+                <a:latin typeface="Adobe Gothic Std B" panose="020B0800000000000000" pitchFamily="34" charset="-128"/>
+                <a:ea typeface="Adobe Gothic Std B" panose="020B0800000000000000" pitchFamily="34" charset="-128"/>
+              </a:rPr>
+              <a:t>Daniel Soledad</a:t>
+            </a:r>
+          </a:p>
+          <a:p>
+            <a:pPr lvl="1" algn="ctr">
+              <a:lnSpc>
+                <a:spcPct val="140000"/>
+              </a:lnSpc>
+            </a:pPr>
+            <a:r>
+              <a:rPr lang="en-US" sz="100" dirty="0">
+                <a:solidFill>
+                  <a:schemeClr val="bg1"/>
+                </a:solidFill>
+                <a:latin typeface="Adobe Gothic Std B" panose="020B0800000000000000" pitchFamily="34" charset="-128"/>
+                <a:ea typeface="Adobe Gothic Std B" panose="020B0800000000000000" pitchFamily="34" charset="-128"/>
+              </a:rPr>
+              <a:t> </a:t>
+            </a:r>
+            <a:endParaRPr lang="en-US" sz="100" b="0" dirty="0">
+              <a:solidFill>
+                <a:schemeClr val="bg1"/>
+              </a:solidFill>
+              <a:latin typeface="Adobe Gothic Std B" panose="020B0800000000000000" pitchFamily="34" charset="-128"/>
+              <a:ea typeface="Adobe Gothic Std B" panose="020B0800000000000000" pitchFamily="34" charset="-128"/>
+            </a:endParaRPr>
+          </a:p>
+          <a:p>
+            <a:pPr lvl="1" algn="ctr">
+              <a:lnSpc>
+                <a:spcPct val="140000"/>
+              </a:lnSpc>
+            </a:pPr>
+            <a:r>
+              <a:rPr lang="en-US" sz="2600" b="1" dirty="0">
+                <a:solidFill>
+                  <a:schemeClr val="bg1"/>
+                </a:solidFill>
+                <a:latin typeface="Adobe Gothic Std B" panose="020B0800000000000000" pitchFamily="34" charset="-128"/>
+                <a:ea typeface="Adobe Gothic Std B" panose="020B0800000000000000" pitchFamily="34" charset="-128"/>
+              </a:rPr>
+              <a:t>Frontend</a:t>
+            </a:r>
+          </a:p>
+          <a:p>
+            <a:pPr lvl="1" algn="ctr">
+              <a:lnSpc>
+                <a:spcPct val="140000"/>
+              </a:lnSpc>
+            </a:pPr>
+            <a:r>
+              <a:rPr lang="en-US" sz="1900" b="0" dirty="0">
+                <a:solidFill>
+                  <a:schemeClr val="bg1"/>
+                </a:solidFill>
+                <a:latin typeface="Adobe Gothic Std B" panose="020B0800000000000000" pitchFamily="34" charset="-128"/>
+                <a:ea typeface="Adobe Gothic Std B" panose="020B0800000000000000" pitchFamily="34" charset="-128"/>
+              </a:rPr>
+              <a:t>Rachel </a:t>
+            </a:r>
+            <a:r>
+              <a:rPr lang="en-US" sz="1900" b="0" dirty="0" err="1">
+                <a:solidFill>
+                  <a:schemeClr val="bg1"/>
+                </a:solidFill>
+                <a:latin typeface="Adobe Gothic Std B" panose="020B0800000000000000" pitchFamily="34" charset="-128"/>
+                <a:ea typeface="Adobe Gothic Std B" panose="020B0800000000000000" pitchFamily="34" charset="-128"/>
+              </a:rPr>
+              <a:t>Vallejos</a:t>
+            </a:r>
+            <a:r>
+              <a:rPr lang="en-US" sz="1900" b="0" dirty="0">
+                <a:solidFill>
+                  <a:schemeClr val="bg1"/>
+                </a:solidFill>
+                <a:latin typeface="Adobe Gothic Std B" panose="020B0800000000000000" pitchFamily="34" charset="-128"/>
+                <a:ea typeface="Adobe Gothic Std B" panose="020B0800000000000000" pitchFamily="34" charset="-128"/>
+              </a:rPr>
+              <a:t>  / </a:t>
+            </a:r>
+            <a:r>
+              <a:rPr lang="en-US" sz="1900" b="0" dirty="0" err="1">
+                <a:solidFill>
+                  <a:schemeClr val="bg1"/>
+                </a:solidFill>
+                <a:latin typeface="Adobe Gothic Std B" panose="020B0800000000000000" pitchFamily="34" charset="-128"/>
+                <a:ea typeface="Adobe Gothic Std B" panose="020B0800000000000000" pitchFamily="34" charset="-128"/>
+              </a:rPr>
+              <a:t>Akarin</a:t>
+            </a:r>
+            <a:r>
+              <a:rPr lang="en-US" sz="1900" b="0" dirty="0">
+                <a:solidFill>
+                  <a:schemeClr val="bg1"/>
+                </a:solidFill>
+                <a:latin typeface="Adobe Gothic Std B" panose="020B0800000000000000" pitchFamily="34" charset="-128"/>
+                <a:ea typeface="Adobe Gothic Std B" panose="020B0800000000000000" pitchFamily="34" charset="-128"/>
+              </a:rPr>
+              <a:t> </a:t>
+            </a:r>
+            <a:r>
+              <a:rPr lang="en-US" sz="1900" b="0" dirty="0" err="1">
+                <a:solidFill>
+                  <a:schemeClr val="bg1"/>
+                </a:solidFill>
+                <a:latin typeface="Adobe Gothic Std B" panose="020B0800000000000000" pitchFamily="34" charset="-128"/>
+                <a:ea typeface="Adobe Gothic Std B" panose="020B0800000000000000" pitchFamily="34" charset="-128"/>
+              </a:rPr>
+              <a:t>Jantachotivongs</a:t>
+            </a:r>
+            <a:r>
+              <a:rPr lang="en-US" sz="1900" b="0" dirty="0">
+                <a:solidFill>
+                  <a:schemeClr val="bg1"/>
+                </a:solidFill>
+                <a:latin typeface="Adobe Gothic Std B" panose="020B0800000000000000" pitchFamily="34" charset="-128"/>
+                <a:ea typeface="Adobe Gothic Std B" panose="020B0800000000000000" pitchFamily="34" charset="-128"/>
+              </a:rPr>
+              <a:t> </a:t>
+            </a:r>
+          </a:p>
+          <a:p>
+            <a:pPr lvl="1" algn="ctr">
+              <a:lnSpc>
+                <a:spcPct val="140000"/>
+              </a:lnSpc>
+            </a:pPr>
+            <a:r>
+              <a:rPr lang="en-US" sz="100" dirty="0">
+                <a:solidFill>
+                  <a:schemeClr val="bg1"/>
+                </a:solidFill>
+                <a:latin typeface="Adobe Gothic Std B" panose="020B0800000000000000" pitchFamily="34" charset="-128"/>
+                <a:ea typeface="Adobe Gothic Std B" panose="020B0800000000000000" pitchFamily="34" charset="-128"/>
+              </a:rPr>
+              <a:t> </a:t>
+            </a:r>
+            <a:endParaRPr lang="en-US" sz="100" b="0" dirty="0">
+              <a:solidFill>
+                <a:schemeClr val="bg1"/>
+              </a:solidFill>
+              <a:latin typeface="Adobe Gothic Std B" panose="020B0800000000000000" pitchFamily="34" charset="-128"/>
+              <a:ea typeface="Adobe Gothic Std B" panose="020B0800000000000000" pitchFamily="34" charset="-128"/>
+            </a:endParaRPr>
+          </a:p>
+          <a:p>
+            <a:pPr lvl="1" algn="ctr">
+              <a:lnSpc>
+                <a:spcPct val="140000"/>
+              </a:lnSpc>
+            </a:pPr>
+            <a:r>
+              <a:rPr lang="en-US" sz="2600" b="1" dirty="0">
+                <a:solidFill>
+                  <a:schemeClr val="bg1"/>
+                </a:solidFill>
+                <a:latin typeface="Adobe Gothic Std B" panose="020B0800000000000000" pitchFamily="34" charset="-128"/>
+                <a:ea typeface="Adobe Gothic Std B" panose="020B0800000000000000" pitchFamily="34" charset="-128"/>
+              </a:rPr>
+              <a:t>Backend</a:t>
+            </a:r>
+          </a:p>
+          <a:p>
+            <a:pPr lvl="1" algn="ctr">
+              <a:lnSpc>
+                <a:spcPct val="140000"/>
+              </a:lnSpc>
+            </a:pPr>
+            <a:r>
+              <a:rPr lang="en-US" sz="1900" b="0" dirty="0">
+                <a:solidFill>
+                  <a:schemeClr val="bg1"/>
+                </a:solidFill>
+                <a:latin typeface="Adobe Gothic Std B" panose="020B0800000000000000" pitchFamily="34" charset="-128"/>
+                <a:ea typeface="Adobe Gothic Std B" panose="020B0800000000000000" pitchFamily="34" charset="-128"/>
+              </a:rPr>
+              <a:t>Michael Frisch / Keenan Reed</a:t>
+            </a:r>
+            <a:endParaRPr lang="en-US" sz="1900" b="1" dirty="0">
+              <a:solidFill>
+                <a:schemeClr val="bg1"/>
+              </a:solidFill>
+              <a:latin typeface="Adobe Gothic Std B" panose="020B0800000000000000" pitchFamily="34" charset="-128"/>
+              <a:ea typeface="Adobe Gothic Std B" panose="020B0800000000000000" pitchFamily="34" charset="-128"/>
+            </a:endParaRPr>
+          </a:p>
+          <a:p>
+            <a:pPr lvl="1" algn="ctr">
+              <a:lnSpc>
+                <a:spcPct val="140000"/>
+              </a:lnSpc>
+            </a:pPr>
+            <a:r>
+              <a:rPr lang="en-US" sz="100" dirty="0">
+                <a:solidFill>
+                  <a:schemeClr val="bg1"/>
+                </a:solidFill>
+                <a:latin typeface="Adobe Gothic Std B" panose="020B0800000000000000" pitchFamily="34" charset="-128"/>
+                <a:ea typeface="Adobe Gothic Std B" panose="020B0800000000000000" pitchFamily="34" charset="-128"/>
+              </a:rPr>
+              <a:t> </a:t>
+            </a:r>
+          </a:p>
+          <a:p>
+            <a:pPr lvl="1" algn="ctr">
+              <a:lnSpc>
+                <a:spcPct val="140000"/>
+              </a:lnSpc>
+            </a:pPr>
+            <a:r>
+              <a:rPr lang="en-US" sz="2600" b="1" dirty="0">
+                <a:solidFill>
+                  <a:schemeClr val="bg1"/>
+                </a:solidFill>
+                <a:latin typeface="Adobe Gothic Std B" panose="020B0800000000000000" pitchFamily="34" charset="-128"/>
+                <a:ea typeface="Adobe Gothic Std B" panose="020B0800000000000000" pitchFamily="34" charset="-128"/>
+              </a:rPr>
+              <a:t>Challenges</a:t>
+            </a:r>
+            <a:r>
+              <a:rPr lang="en-US" sz="2600" dirty="0">
+                <a:solidFill>
+                  <a:schemeClr val="bg1"/>
+                </a:solidFill>
+                <a:latin typeface="Adobe Gothic Std B" panose="020B0800000000000000" pitchFamily="34" charset="-128"/>
+                <a:ea typeface="Adobe Gothic Std B" panose="020B0800000000000000" pitchFamily="34" charset="-128"/>
+              </a:rPr>
+              <a:t> </a:t>
+            </a:r>
+          </a:p>
+          <a:p>
+            <a:pPr lvl="1" algn="ctr">
+              <a:lnSpc>
+                <a:spcPct val="140000"/>
+              </a:lnSpc>
+            </a:pPr>
+            <a:r>
+              <a:rPr lang="en-US" sz="1700" dirty="0">
+                <a:solidFill>
+                  <a:schemeClr val="bg1"/>
+                </a:solidFill>
+                <a:latin typeface="Adobe Gothic Std B" panose="020B0800000000000000" pitchFamily="34" charset="-128"/>
+                <a:ea typeface="Adobe Gothic Std B" panose="020B0800000000000000" pitchFamily="34" charset="-128"/>
+              </a:rPr>
+              <a:t>- Far too many hours were spent resolving GitHub conflicts.</a:t>
+            </a:r>
+          </a:p>
+          <a:p>
+            <a:pPr lvl="1" algn="ctr">
+              <a:lnSpc>
+                <a:spcPct val="140000"/>
+              </a:lnSpc>
+            </a:pPr>
+            <a:r>
+              <a:rPr lang="en-US" sz="200" dirty="0">
+                <a:solidFill>
+                  <a:schemeClr val="bg1"/>
+                </a:solidFill>
+                <a:latin typeface="Adobe Gothic Std B" panose="020B0800000000000000" pitchFamily="34" charset="-128"/>
+                <a:ea typeface="Adobe Gothic Std B" panose="020B0800000000000000" pitchFamily="34" charset="-128"/>
+              </a:rPr>
+              <a:t> </a:t>
+            </a:r>
+          </a:p>
+          <a:p>
+            <a:pPr lvl="1" algn="ctr">
+              <a:lnSpc>
+                <a:spcPct val="120000"/>
+              </a:lnSpc>
+            </a:pPr>
+            <a:r>
+              <a:rPr lang="en-US" sz="1700" dirty="0">
+                <a:solidFill>
+                  <a:schemeClr val="bg1"/>
+                </a:solidFill>
+                <a:latin typeface="Adobe Gothic Std B" panose="020B0800000000000000" pitchFamily="34" charset="-128"/>
+                <a:ea typeface="Adobe Gothic Std B" panose="020B0800000000000000" pitchFamily="34" charset="-128"/>
+              </a:rPr>
+              <a:t>- Learning to communicate clearly, especially when having</a:t>
+            </a:r>
+          </a:p>
+          <a:p>
+            <a:pPr lvl="1" algn="ctr">
+              <a:lnSpc>
+                <a:spcPct val="120000"/>
+              </a:lnSpc>
+            </a:pPr>
+            <a:r>
+              <a:rPr lang="en-US" sz="1700" dirty="0">
+                <a:solidFill>
+                  <a:schemeClr val="bg1"/>
+                </a:solidFill>
+                <a:latin typeface="Adobe Gothic Std B" panose="020B0800000000000000" pitchFamily="34" charset="-128"/>
+                <a:ea typeface="Adobe Gothic Std B" panose="020B0800000000000000" pitchFamily="34" charset="-128"/>
+              </a:rPr>
+              <a:t>Trouble grasping a difficult concept or technique, was tough at times.</a:t>
+            </a:r>
+          </a:p>
+          <a:p>
+            <a:pPr algn="ctr">
+              <a:lnSpc>
+                <a:spcPct val="140000"/>
+              </a:lnSpc>
+            </a:pPr>
+            <a:r>
+              <a:rPr lang="en-US" sz="100" b="1" dirty="0">
+                <a:solidFill>
+                  <a:schemeClr val="bg1"/>
+                </a:solidFill>
+                <a:latin typeface="Adobe Gothic Std B" panose="020B0800000000000000" pitchFamily="34" charset="-128"/>
+                <a:ea typeface="Adobe Gothic Std B" panose="020B0800000000000000" pitchFamily="34" charset="-128"/>
+              </a:rPr>
+              <a:t> </a:t>
+            </a:r>
+          </a:p>
+          <a:p>
+            <a:pPr lvl="1" algn="ctr">
+              <a:lnSpc>
+                <a:spcPct val="140000"/>
+              </a:lnSpc>
+            </a:pPr>
+            <a:r>
+              <a:rPr lang="en-US" sz="2600" b="1" dirty="0">
+                <a:solidFill>
+                  <a:schemeClr val="bg1"/>
+                </a:solidFill>
+                <a:latin typeface="Adobe Gothic Std B" panose="020B0800000000000000" pitchFamily="34" charset="-128"/>
+                <a:ea typeface="Adobe Gothic Std B" panose="020B0800000000000000" pitchFamily="34" charset="-128"/>
+              </a:rPr>
+              <a:t>Successes</a:t>
+            </a:r>
+          </a:p>
+          <a:p>
+            <a:pPr lvl="1" algn="ctr">
+              <a:lnSpc>
+                <a:spcPct val="120000"/>
+              </a:lnSpc>
+            </a:pPr>
+            <a:r>
+              <a:rPr lang="en-US" sz="1700" dirty="0">
+                <a:solidFill>
+                  <a:schemeClr val="bg1"/>
+                </a:solidFill>
+                <a:latin typeface="Adobe Gothic Std B" panose="020B0800000000000000" pitchFamily="34" charset="-128"/>
+                <a:ea typeface="Adobe Gothic Std B" panose="020B0800000000000000" pitchFamily="34" charset="-128"/>
+              </a:rPr>
+              <a:t>- Team chemistry  came naturally and the open sharing</a:t>
+            </a:r>
+          </a:p>
+          <a:p>
+            <a:pPr lvl="1" algn="ctr">
+              <a:lnSpc>
+                <a:spcPct val="120000"/>
+              </a:lnSpc>
+            </a:pPr>
+            <a:r>
+              <a:rPr lang="en-US" sz="1700" dirty="0">
+                <a:solidFill>
+                  <a:schemeClr val="bg1"/>
+                </a:solidFill>
+                <a:latin typeface="Adobe Gothic Std B" panose="020B0800000000000000" pitchFamily="34" charset="-128"/>
+                <a:ea typeface="Adobe Gothic Std B" panose="020B0800000000000000" pitchFamily="34" charset="-128"/>
+              </a:rPr>
+              <a:t>of Ideas was crucial to the completion of the application.</a:t>
+            </a:r>
+          </a:p>
+          <a:p>
+            <a:pPr lvl="1" algn="ctr">
+              <a:lnSpc>
+                <a:spcPct val="140000"/>
+              </a:lnSpc>
+            </a:pPr>
+            <a:r>
+              <a:rPr lang="en-US" sz="200" dirty="0">
+                <a:solidFill>
+                  <a:schemeClr val="bg1"/>
+                </a:solidFill>
+                <a:latin typeface="Adobe Gothic Std B" panose="020B0800000000000000" pitchFamily="34" charset="-128"/>
+                <a:ea typeface="Adobe Gothic Std B" panose="020B0800000000000000" pitchFamily="34" charset="-128"/>
+              </a:rPr>
+              <a:t> </a:t>
+            </a:r>
+          </a:p>
+          <a:p>
+            <a:pPr lvl="1" algn="ctr">
+              <a:lnSpc>
+                <a:spcPct val="140000"/>
+              </a:lnSpc>
+            </a:pPr>
+            <a:r>
+              <a:rPr lang="en-US" sz="1700" dirty="0">
+                <a:solidFill>
+                  <a:schemeClr val="bg1"/>
+                </a:solidFill>
+                <a:latin typeface="Adobe Gothic Std B" panose="020B0800000000000000" pitchFamily="34" charset="-128"/>
+                <a:ea typeface="Adobe Gothic Std B" panose="020B0800000000000000" pitchFamily="34" charset="-128"/>
+              </a:rPr>
+              <a:t>- Daniel, having the strongest overall grasp of the necessary coding languages, was thrust into the roles of both tutor and lead developer. He performed well and grew noticeably as an educator over the course of the project.</a:t>
+            </a:r>
+          </a:p>
+          <a:p>
+            <a:pPr marL="1200150" lvl="2" indent="-285750" algn="ctr">
+              <a:lnSpc>
+                <a:spcPct val="140000"/>
+              </a:lnSpc>
+              <a:buFont typeface="Arial" panose="020B0604020202020204" pitchFamily="34" charset="0"/>
+              <a:buChar char="•"/>
+            </a:pPr>
+            <a:endParaRPr lang="en-US" sz="1000" dirty="0">
+              <a:solidFill>
+                <a:schemeClr val="bg1"/>
+              </a:solidFill>
+              <a:latin typeface="Adobe Gothic Std B" panose="020B0800000000000000" pitchFamily="34" charset="-128"/>
+              <a:ea typeface="Adobe Gothic Std B" panose="020B0800000000000000" pitchFamily="34" charset="-128"/>
+            </a:endParaRPr>
           </a:p>
         </p:txBody>
       </p:sp>
